--- a/ppt 16-9/0481.全世归主.pptx
+++ b/ppt 16-9/0481.全世归主.pptx
@@ -129,7 +129,7 @@
           <p:cNvPr id="2" name="标题 1">
             <a:extLst>
               <a:ext uri="{FF2B5EF4-FFF2-40B4-BE49-F238E27FC236}">
-                <a16:creationId xmlns:a16="http://schemas.microsoft.com/office/drawing/2014/main" id="{635F3D7D-223C-3979-A9A0-8D4EBCE8F184}"/>
+                <a16:creationId xmlns:a16="http://schemas.microsoft.com/office/drawing/2014/main" id="{D364D54E-A62A-DCDC-9C23-A9DC901E2985}"/>
               </a:ext>
             </a:extLst>
           </p:cNvPr>
@@ -166,7 +166,7 @@
           <p:cNvPr id="3" name="副标题 2">
             <a:extLst>
               <a:ext uri="{FF2B5EF4-FFF2-40B4-BE49-F238E27FC236}">
-                <a16:creationId xmlns:a16="http://schemas.microsoft.com/office/drawing/2014/main" id="{FE138F76-B401-1684-1D6F-948AB4843A0A}"/>
+                <a16:creationId xmlns:a16="http://schemas.microsoft.com/office/drawing/2014/main" id="{122C554D-E1A5-C8CE-15F5-AEDB8FA1889C}"/>
               </a:ext>
             </a:extLst>
           </p:cNvPr>
@@ -236,7 +236,7 @@
           <p:cNvPr id="4" name="日期占位符 3">
             <a:extLst>
               <a:ext uri="{FF2B5EF4-FFF2-40B4-BE49-F238E27FC236}">
-                <a16:creationId xmlns:a16="http://schemas.microsoft.com/office/drawing/2014/main" id="{C94FE18E-D783-1303-DDAA-7C308CB8A6C6}"/>
+                <a16:creationId xmlns:a16="http://schemas.microsoft.com/office/drawing/2014/main" id="{E5CB57EF-E237-EEE2-5D27-717EEDB7D35B}"/>
               </a:ext>
             </a:extLst>
           </p:cNvPr>
@@ -252,7 +252,7 @@
           <a:bodyPr/>
           <a:lstStyle/>
           <a:p>
-            <a:fld id="{0987F561-DEA1-4E11-8DBA-4C2AAC960EDA}" type="datetimeFigureOut">
+            <a:fld id="{D537D967-6795-4CF9-8C11-955725731430}" type="datetimeFigureOut">
               <a:rPr lang="zh-CN" altLang="en-US" smtClean="0"/>
               <a:t>2024/3/10</a:t>
             </a:fld>
@@ -265,7 +265,7 @@
           <p:cNvPr id="5" name="页脚占位符 4">
             <a:extLst>
               <a:ext uri="{FF2B5EF4-FFF2-40B4-BE49-F238E27FC236}">
-                <a16:creationId xmlns:a16="http://schemas.microsoft.com/office/drawing/2014/main" id="{9761606C-D316-7306-4CDD-C1D778FCBDFC}"/>
+                <a16:creationId xmlns:a16="http://schemas.microsoft.com/office/drawing/2014/main" id="{4C197BCE-AC61-2764-D6EB-EE94F3F0E40D}"/>
               </a:ext>
             </a:extLst>
           </p:cNvPr>
@@ -290,7 +290,7 @@
           <p:cNvPr id="6" name="灯片编号占位符 5">
             <a:extLst>
               <a:ext uri="{FF2B5EF4-FFF2-40B4-BE49-F238E27FC236}">
-                <a16:creationId xmlns:a16="http://schemas.microsoft.com/office/drawing/2014/main" id="{F1EEE3D2-A03B-B5BF-9BDF-95A370265FF0}"/>
+                <a16:creationId xmlns:a16="http://schemas.microsoft.com/office/drawing/2014/main" id="{F217EA38-01B1-2932-2F2A-6AF99A1BDAA5}"/>
               </a:ext>
             </a:extLst>
           </p:cNvPr>
@@ -306,7 +306,7 @@
           <a:bodyPr/>
           <a:lstStyle/>
           <a:p>
-            <a:fld id="{6E009FFA-B38A-4560-88B0-416E33CA3B4F}" type="slidenum">
+            <a:fld id="{D6010385-4880-405C-A3D7-5EE5544B2FD1}" type="slidenum">
               <a:rPr lang="zh-CN" altLang="en-US" smtClean="0"/>
               <a:t>‹#›</a:t>
             </a:fld>
@@ -317,7 +317,7 @@
     </p:spTree>
     <p:extLst>
       <p:ext uri="{BB962C8B-B14F-4D97-AF65-F5344CB8AC3E}">
-        <p14:creationId xmlns:p14="http://schemas.microsoft.com/office/powerpoint/2010/main" val="45977373"/>
+        <p14:creationId xmlns:p14="http://schemas.microsoft.com/office/powerpoint/2010/main" val="3643127510"/>
       </p:ext>
     </p:extLst>
   </p:cSld>
@@ -349,7 +349,7 @@
           <p:cNvPr id="2" name="标题 1">
             <a:extLst>
               <a:ext uri="{FF2B5EF4-FFF2-40B4-BE49-F238E27FC236}">
-                <a16:creationId xmlns:a16="http://schemas.microsoft.com/office/drawing/2014/main" id="{F3999018-F84B-CAEE-D051-0EC4BCACAC63}"/>
+                <a16:creationId xmlns:a16="http://schemas.microsoft.com/office/drawing/2014/main" id="{4CFC0724-ED91-01FD-8DD8-F9526F7FE756}"/>
               </a:ext>
             </a:extLst>
           </p:cNvPr>
@@ -377,7 +377,7 @@
           <p:cNvPr id="3" name="竖排文字占位符 2">
             <a:extLst>
               <a:ext uri="{FF2B5EF4-FFF2-40B4-BE49-F238E27FC236}">
-                <a16:creationId xmlns:a16="http://schemas.microsoft.com/office/drawing/2014/main" id="{86C2AEEA-F978-0B1D-488E-AD66AA9CCB55}"/>
+                <a16:creationId xmlns:a16="http://schemas.microsoft.com/office/drawing/2014/main" id="{AA4DC86F-54E1-ED5A-3467-34B991A3EFBB}"/>
               </a:ext>
             </a:extLst>
           </p:cNvPr>
@@ -434,7 +434,7 @@
           <p:cNvPr id="4" name="日期占位符 3">
             <a:extLst>
               <a:ext uri="{FF2B5EF4-FFF2-40B4-BE49-F238E27FC236}">
-                <a16:creationId xmlns:a16="http://schemas.microsoft.com/office/drawing/2014/main" id="{DF188193-E586-BAFF-589F-322E032C3DAC}"/>
+                <a16:creationId xmlns:a16="http://schemas.microsoft.com/office/drawing/2014/main" id="{718E53AB-7349-EFB9-A1BA-ACDBA09188B1}"/>
               </a:ext>
             </a:extLst>
           </p:cNvPr>
@@ -450,7 +450,7 @@
           <a:bodyPr/>
           <a:lstStyle/>
           <a:p>
-            <a:fld id="{0987F561-DEA1-4E11-8DBA-4C2AAC960EDA}" type="datetimeFigureOut">
+            <a:fld id="{D537D967-6795-4CF9-8C11-955725731430}" type="datetimeFigureOut">
               <a:rPr lang="zh-CN" altLang="en-US" smtClean="0"/>
               <a:t>2024/3/10</a:t>
             </a:fld>
@@ -463,7 +463,7 @@
           <p:cNvPr id="5" name="页脚占位符 4">
             <a:extLst>
               <a:ext uri="{FF2B5EF4-FFF2-40B4-BE49-F238E27FC236}">
-                <a16:creationId xmlns:a16="http://schemas.microsoft.com/office/drawing/2014/main" id="{85837467-21D6-B4AC-DC66-7E971A42B79E}"/>
+                <a16:creationId xmlns:a16="http://schemas.microsoft.com/office/drawing/2014/main" id="{BD00A3AA-7508-E501-E66C-851416DE8220}"/>
               </a:ext>
             </a:extLst>
           </p:cNvPr>
@@ -488,7 +488,7 @@
           <p:cNvPr id="6" name="灯片编号占位符 5">
             <a:extLst>
               <a:ext uri="{FF2B5EF4-FFF2-40B4-BE49-F238E27FC236}">
-                <a16:creationId xmlns:a16="http://schemas.microsoft.com/office/drawing/2014/main" id="{C6DB7B67-048F-2FF1-7B2F-7B73BFF2E6FD}"/>
+                <a16:creationId xmlns:a16="http://schemas.microsoft.com/office/drawing/2014/main" id="{FB244AEE-00B4-5688-7960-0745C05A3C38}"/>
               </a:ext>
             </a:extLst>
           </p:cNvPr>
@@ -504,7 +504,7 @@
           <a:bodyPr/>
           <a:lstStyle/>
           <a:p>
-            <a:fld id="{6E009FFA-B38A-4560-88B0-416E33CA3B4F}" type="slidenum">
+            <a:fld id="{D6010385-4880-405C-A3D7-5EE5544B2FD1}" type="slidenum">
               <a:rPr lang="zh-CN" altLang="en-US" smtClean="0"/>
               <a:t>‹#›</a:t>
             </a:fld>
@@ -515,7 +515,7 @@
     </p:spTree>
     <p:extLst>
       <p:ext uri="{BB962C8B-B14F-4D97-AF65-F5344CB8AC3E}">
-        <p14:creationId xmlns:p14="http://schemas.microsoft.com/office/powerpoint/2010/main" val="975699949"/>
+        <p14:creationId xmlns:p14="http://schemas.microsoft.com/office/powerpoint/2010/main" val="3675911705"/>
       </p:ext>
     </p:extLst>
   </p:cSld>
@@ -547,7 +547,7 @@
           <p:cNvPr id="2" name="竖排标题 1">
             <a:extLst>
               <a:ext uri="{FF2B5EF4-FFF2-40B4-BE49-F238E27FC236}">
-                <a16:creationId xmlns:a16="http://schemas.microsoft.com/office/drawing/2014/main" id="{F153745F-0CBD-89BD-D536-8D1819C2E002}"/>
+                <a16:creationId xmlns:a16="http://schemas.microsoft.com/office/drawing/2014/main" id="{169F266D-1A2B-81DD-9E45-6D3C07A036D9}"/>
               </a:ext>
             </a:extLst>
           </p:cNvPr>
@@ -580,7 +580,7 @@
           <p:cNvPr id="3" name="竖排文字占位符 2">
             <a:extLst>
               <a:ext uri="{FF2B5EF4-FFF2-40B4-BE49-F238E27FC236}">
-                <a16:creationId xmlns:a16="http://schemas.microsoft.com/office/drawing/2014/main" id="{D28A2704-EA8B-5B90-8147-DFBCBF7451F5}"/>
+                <a16:creationId xmlns:a16="http://schemas.microsoft.com/office/drawing/2014/main" id="{8DBE1EE3-7552-952E-4EA9-F715BC02D917}"/>
               </a:ext>
             </a:extLst>
           </p:cNvPr>
@@ -642,7 +642,7 @@
           <p:cNvPr id="4" name="日期占位符 3">
             <a:extLst>
               <a:ext uri="{FF2B5EF4-FFF2-40B4-BE49-F238E27FC236}">
-                <a16:creationId xmlns:a16="http://schemas.microsoft.com/office/drawing/2014/main" id="{2C2C69B4-6F00-4587-D6D9-DF4BD217C3C7}"/>
+                <a16:creationId xmlns:a16="http://schemas.microsoft.com/office/drawing/2014/main" id="{C7554AC8-F8F9-1B77-E49D-BA58A13B43BE}"/>
               </a:ext>
             </a:extLst>
           </p:cNvPr>
@@ -658,7 +658,7 @@
           <a:bodyPr/>
           <a:lstStyle/>
           <a:p>
-            <a:fld id="{0987F561-DEA1-4E11-8DBA-4C2AAC960EDA}" type="datetimeFigureOut">
+            <a:fld id="{D537D967-6795-4CF9-8C11-955725731430}" type="datetimeFigureOut">
               <a:rPr lang="zh-CN" altLang="en-US" smtClean="0"/>
               <a:t>2024/3/10</a:t>
             </a:fld>
@@ -671,7 +671,7 @@
           <p:cNvPr id="5" name="页脚占位符 4">
             <a:extLst>
               <a:ext uri="{FF2B5EF4-FFF2-40B4-BE49-F238E27FC236}">
-                <a16:creationId xmlns:a16="http://schemas.microsoft.com/office/drawing/2014/main" id="{57F2C8A1-4A82-A057-0169-4CB0A7C686AB}"/>
+                <a16:creationId xmlns:a16="http://schemas.microsoft.com/office/drawing/2014/main" id="{B3227011-A19A-8330-9695-7661628629D5}"/>
               </a:ext>
             </a:extLst>
           </p:cNvPr>
@@ -696,7 +696,7 @@
           <p:cNvPr id="6" name="灯片编号占位符 5">
             <a:extLst>
               <a:ext uri="{FF2B5EF4-FFF2-40B4-BE49-F238E27FC236}">
-                <a16:creationId xmlns:a16="http://schemas.microsoft.com/office/drawing/2014/main" id="{717E699F-DEC3-CFB4-6D85-0EB61AC74560}"/>
+                <a16:creationId xmlns:a16="http://schemas.microsoft.com/office/drawing/2014/main" id="{5E670BBC-224C-5BDD-5F21-EF344F4882CB}"/>
               </a:ext>
             </a:extLst>
           </p:cNvPr>
@@ -712,7 +712,7 @@
           <a:bodyPr/>
           <a:lstStyle/>
           <a:p>
-            <a:fld id="{6E009FFA-B38A-4560-88B0-416E33CA3B4F}" type="slidenum">
+            <a:fld id="{D6010385-4880-405C-A3D7-5EE5544B2FD1}" type="slidenum">
               <a:rPr lang="zh-CN" altLang="en-US" smtClean="0"/>
               <a:t>‹#›</a:t>
             </a:fld>
@@ -723,7 +723,7 @@
     </p:spTree>
     <p:extLst>
       <p:ext uri="{BB962C8B-B14F-4D97-AF65-F5344CB8AC3E}">
-        <p14:creationId xmlns:p14="http://schemas.microsoft.com/office/powerpoint/2010/main" val="3094840371"/>
+        <p14:creationId xmlns:p14="http://schemas.microsoft.com/office/powerpoint/2010/main" val="1748709628"/>
       </p:ext>
     </p:extLst>
   </p:cSld>
@@ -755,7 +755,7 @@
           <p:cNvPr id="2" name="标题 1">
             <a:extLst>
               <a:ext uri="{FF2B5EF4-FFF2-40B4-BE49-F238E27FC236}">
-                <a16:creationId xmlns:a16="http://schemas.microsoft.com/office/drawing/2014/main" id="{052CB0C6-915D-2FA1-FF79-EF76E49624AF}"/>
+                <a16:creationId xmlns:a16="http://schemas.microsoft.com/office/drawing/2014/main" id="{14630EF4-EBB6-13D5-A23C-F7AC9D02396F}"/>
               </a:ext>
             </a:extLst>
           </p:cNvPr>
@@ -783,7 +783,7 @@
           <p:cNvPr id="3" name="内容占位符 2">
             <a:extLst>
               <a:ext uri="{FF2B5EF4-FFF2-40B4-BE49-F238E27FC236}">
-                <a16:creationId xmlns:a16="http://schemas.microsoft.com/office/drawing/2014/main" id="{99EA6D77-FE59-A0FE-B60B-5C912F3F2191}"/>
+                <a16:creationId xmlns:a16="http://schemas.microsoft.com/office/drawing/2014/main" id="{9845914C-399B-B1DD-86A0-407D83581C88}"/>
               </a:ext>
             </a:extLst>
           </p:cNvPr>
@@ -840,7 +840,7 @@
           <p:cNvPr id="4" name="日期占位符 3">
             <a:extLst>
               <a:ext uri="{FF2B5EF4-FFF2-40B4-BE49-F238E27FC236}">
-                <a16:creationId xmlns:a16="http://schemas.microsoft.com/office/drawing/2014/main" id="{96C1DBF5-15D5-AE11-D037-2EE542EFB001}"/>
+                <a16:creationId xmlns:a16="http://schemas.microsoft.com/office/drawing/2014/main" id="{725D4E77-F80B-7A19-CEB6-ADF374B8FE5E}"/>
               </a:ext>
             </a:extLst>
           </p:cNvPr>
@@ -856,7 +856,7 @@
           <a:bodyPr/>
           <a:lstStyle/>
           <a:p>
-            <a:fld id="{0987F561-DEA1-4E11-8DBA-4C2AAC960EDA}" type="datetimeFigureOut">
+            <a:fld id="{D537D967-6795-4CF9-8C11-955725731430}" type="datetimeFigureOut">
               <a:rPr lang="zh-CN" altLang="en-US" smtClean="0"/>
               <a:t>2024/3/10</a:t>
             </a:fld>
@@ -869,7 +869,7 @@
           <p:cNvPr id="5" name="页脚占位符 4">
             <a:extLst>
               <a:ext uri="{FF2B5EF4-FFF2-40B4-BE49-F238E27FC236}">
-                <a16:creationId xmlns:a16="http://schemas.microsoft.com/office/drawing/2014/main" id="{A2238E4B-178A-BA0D-55D9-E20210B43098}"/>
+                <a16:creationId xmlns:a16="http://schemas.microsoft.com/office/drawing/2014/main" id="{4638A9DA-899A-421C-65F9-B51A48E1F964}"/>
               </a:ext>
             </a:extLst>
           </p:cNvPr>
@@ -894,7 +894,7 @@
           <p:cNvPr id="6" name="灯片编号占位符 5">
             <a:extLst>
               <a:ext uri="{FF2B5EF4-FFF2-40B4-BE49-F238E27FC236}">
-                <a16:creationId xmlns:a16="http://schemas.microsoft.com/office/drawing/2014/main" id="{7AB3B5EE-62BF-70F6-C384-D0484978D971}"/>
+                <a16:creationId xmlns:a16="http://schemas.microsoft.com/office/drawing/2014/main" id="{E6B15C78-F6E9-1BDC-0B45-441ACFB2403B}"/>
               </a:ext>
             </a:extLst>
           </p:cNvPr>
@@ -910,7 +910,7 @@
           <a:bodyPr/>
           <a:lstStyle/>
           <a:p>
-            <a:fld id="{6E009FFA-B38A-4560-88B0-416E33CA3B4F}" type="slidenum">
+            <a:fld id="{D6010385-4880-405C-A3D7-5EE5544B2FD1}" type="slidenum">
               <a:rPr lang="zh-CN" altLang="en-US" smtClean="0"/>
               <a:t>‹#›</a:t>
             </a:fld>
@@ -921,7 +921,7 @@
     </p:spTree>
     <p:extLst>
       <p:ext uri="{BB962C8B-B14F-4D97-AF65-F5344CB8AC3E}">
-        <p14:creationId xmlns:p14="http://schemas.microsoft.com/office/powerpoint/2010/main" val="2878029551"/>
+        <p14:creationId xmlns:p14="http://schemas.microsoft.com/office/powerpoint/2010/main" val="2620095952"/>
       </p:ext>
     </p:extLst>
   </p:cSld>
@@ -953,7 +953,7 @@
           <p:cNvPr id="2" name="标题 1">
             <a:extLst>
               <a:ext uri="{FF2B5EF4-FFF2-40B4-BE49-F238E27FC236}">
-                <a16:creationId xmlns:a16="http://schemas.microsoft.com/office/drawing/2014/main" id="{380B95CA-67AE-0A4D-86E5-49EEF769B855}"/>
+                <a16:creationId xmlns:a16="http://schemas.microsoft.com/office/drawing/2014/main" id="{76C832CA-67A4-4B5A-4267-E87D3EA00784}"/>
               </a:ext>
             </a:extLst>
           </p:cNvPr>
@@ -990,7 +990,7 @@
           <p:cNvPr id="3" name="文本占位符 2">
             <a:extLst>
               <a:ext uri="{FF2B5EF4-FFF2-40B4-BE49-F238E27FC236}">
-                <a16:creationId xmlns:a16="http://schemas.microsoft.com/office/drawing/2014/main" id="{B3C937C6-F3A3-3F9C-B1BB-77B343837EA7}"/>
+                <a16:creationId xmlns:a16="http://schemas.microsoft.com/office/drawing/2014/main" id="{F08EB7F4-F73A-98E4-2432-A12635710269}"/>
               </a:ext>
             </a:extLst>
           </p:cNvPr>
@@ -1115,7 +1115,7 @@
           <p:cNvPr id="4" name="日期占位符 3">
             <a:extLst>
               <a:ext uri="{FF2B5EF4-FFF2-40B4-BE49-F238E27FC236}">
-                <a16:creationId xmlns:a16="http://schemas.microsoft.com/office/drawing/2014/main" id="{9FB7976A-A65D-BB9F-967B-078E93FAB7DF}"/>
+                <a16:creationId xmlns:a16="http://schemas.microsoft.com/office/drawing/2014/main" id="{304127E7-B92B-0082-6261-ED3862382F9C}"/>
               </a:ext>
             </a:extLst>
           </p:cNvPr>
@@ -1131,7 +1131,7 @@
           <a:bodyPr/>
           <a:lstStyle/>
           <a:p>
-            <a:fld id="{0987F561-DEA1-4E11-8DBA-4C2AAC960EDA}" type="datetimeFigureOut">
+            <a:fld id="{D537D967-6795-4CF9-8C11-955725731430}" type="datetimeFigureOut">
               <a:rPr lang="zh-CN" altLang="en-US" smtClean="0"/>
               <a:t>2024/3/10</a:t>
             </a:fld>
@@ -1144,7 +1144,7 @@
           <p:cNvPr id="5" name="页脚占位符 4">
             <a:extLst>
               <a:ext uri="{FF2B5EF4-FFF2-40B4-BE49-F238E27FC236}">
-                <a16:creationId xmlns:a16="http://schemas.microsoft.com/office/drawing/2014/main" id="{FBA2ABE5-D238-C7CB-F059-225B5BCA50A4}"/>
+                <a16:creationId xmlns:a16="http://schemas.microsoft.com/office/drawing/2014/main" id="{6018E1E5-747C-425F-3462-97DB6B9300B6}"/>
               </a:ext>
             </a:extLst>
           </p:cNvPr>
@@ -1169,7 +1169,7 @@
           <p:cNvPr id="6" name="灯片编号占位符 5">
             <a:extLst>
               <a:ext uri="{FF2B5EF4-FFF2-40B4-BE49-F238E27FC236}">
-                <a16:creationId xmlns:a16="http://schemas.microsoft.com/office/drawing/2014/main" id="{B5C28786-4E70-524B-2E55-90D316E768F4}"/>
+                <a16:creationId xmlns:a16="http://schemas.microsoft.com/office/drawing/2014/main" id="{15F2CE20-3C7F-5D0A-572F-A990E0ADA8CE}"/>
               </a:ext>
             </a:extLst>
           </p:cNvPr>
@@ -1185,7 +1185,7 @@
           <a:bodyPr/>
           <a:lstStyle/>
           <a:p>
-            <a:fld id="{6E009FFA-B38A-4560-88B0-416E33CA3B4F}" type="slidenum">
+            <a:fld id="{D6010385-4880-405C-A3D7-5EE5544B2FD1}" type="slidenum">
               <a:rPr lang="zh-CN" altLang="en-US" smtClean="0"/>
               <a:t>‹#›</a:t>
             </a:fld>
@@ -1196,7 +1196,7 @@
     </p:spTree>
     <p:extLst>
       <p:ext uri="{BB962C8B-B14F-4D97-AF65-F5344CB8AC3E}">
-        <p14:creationId xmlns:p14="http://schemas.microsoft.com/office/powerpoint/2010/main" val="3831671829"/>
+        <p14:creationId xmlns:p14="http://schemas.microsoft.com/office/powerpoint/2010/main" val="3916023809"/>
       </p:ext>
     </p:extLst>
   </p:cSld>
@@ -1228,7 +1228,7 @@
           <p:cNvPr id="2" name="标题 1">
             <a:extLst>
               <a:ext uri="{FF2B5EF4-FFF2-40B4-BE49-F238E27FC236}">
-                <a16:creationId xmlns:a16="http://schemas.microsoft.com/office/drawing/2014/main" id="{7DFED26B-25C1-D34D-7FCB-4EBE12596671}"/>
+                <a16:creationId xmlns:a16="http://schemas.microsoft.com/office/drawing/2014/main" id="{1C298170-4D44-95D8-9870-8B58CECC10D1}"/>
               </a:ext>
             </a:extLst>
           </p:cNvPr>
@@ -1256,7 +1256,7 @@
           <p:cNvPr id="3" name="内容占位符 2">
             <a:extLst>
               <a:ext uri="{FF2B5EF4-FFF2-40B4-BE49-F238E27FC236}">
-                <a16:creationId xmlns:a16="http://schemas.microsoft.com/office/drawing/2014/main" id="{D12E3700-B7E1-8E89-B6BB-672267A1CB31}"/>
+                <a16:creationId xmlns:a16="http://schemas.microsoft.com/office/drawing/2014/main" id="{202C8DC9-7B6B-5FB6-D146-536384D855EC}"/>
               </a:ext>
             </a:extLst>
           </p:cNvPr>
@@ -1318,7 +1318,7 @@
           <p:cNvPr id="4" name="内容占位符 3">
             <a:extLst>
               <a:ext uri="{FF2B5EF4-FFF2-40B4-BE49-F238E27FC236}">
-                <a16:creationId xmlns:a16="http://schemas.microsoft.com/office/drawing/2014/main" id="{ADE38EF4-E1F8-04D9-F603-3883577EBE08}"/>
+                <a16:creationId xmlns:a16="http://schemas.microsoft.com/office/drawing/2014/main" id="{98C3CF1F-16E9-580B-4F43-C201689D9C3A}"/>
               </a:ext>
             </a:extLst>
           </p:cNvPr>
@@ -1380,7 +1380,7 @@
           <p:cNvPr id="5" name="日期占位符 4">
             <a:extLst>
               <a:ext uri="{FF2B5EF4-FFF2-40B4-BE49-F238E27FC236}">
-                <a16:creationId xmlns:a16="http://schemas.microsoft.com/office/drawing/2014/main" id="{F373699D-EE9D-BA9A-0A2D-20F6E12E1734}"/>
+                <a16:creationId xmlns:a16="http://schemas.microsoft.com/office/drawing/2014/main" id="{884A6810-C4C1-E166-B170-8BD516E2DD31}"/>
               </a:ext>
             </a:extLst>
           </p:cNvPr>
@@ -1396,7 +1396,7 @@
           <a:bodyPr/>
           <a:lstStyle/>
           <a:p>
-            <a:fld id="{0987F561-DEA1-4E11-8DBA-4C2AAC960EDA}" type="datetimeFigureOut">
+            <a:fld id="{D537D967-6795-4CF9-8C11-955725731430}" type="datetimeFigureOut">
               <a:rPr lang="zh-CN" altLang="en-US" smtClean="0"/>
               <a:t>2024/3/10</a:t>
             </a:fld>
@@ -1409,7 +1409,7 @@
           <p:cNvPr id="6" name="页脚占位符 5">
             <a:extLst>
               <a:ext uri="{FF2B5EF4-FFF2-40B4-BE49-F238E27FC236}">
-                <a16:creationId xmlns:a16="http://schemas.microsoft.com/office/drawing/2014/main" id="{74CE0525-6682-562D-31C4-9C424B97A1C6}"/>
+                <a16:creationId xmlns:a16="http://schemas.microsoft.com/office/drawing/2014/main" id="{01DCF10E-A8E2-EADD-2422-1563143F765E}"/>
               </a:ext>
             </a:extLst>
           </p:cNvPr>
@@ -1434,7 +1434,7 @@
           <p:cNvPr id="7" name="灯片编号占位符 6">
             <a:extLst>
               <a:ext uri="{FF2B5EF4-FFF2-40B4-BE49-F238E27FC236}">
-                <a16:creationId xmlns:a16="http://schemas.microsoft.com/office/drawing/2014/main" id="{580D69BB-78B8-DAD0-F7CC-19D970858470}"/>
+                <a16:creationId xmlns:a16="http://schemas.microsoft.com/office/drawing/2014/main" id="{A7617F0A-37EA-3AA7-D87F-4FC4534670BE}"/>
               </a:ext>
             </a:extLst>
           </p:cNvPr>
@@ -1450,7 +1450,7 @@
           <a:bodyPr/>
           <a:lstStyle/>
           <a:p>
-            <a:fld id="{6E009FFA-B38A-4560-88B0-416E33CA3B4F}" type="slidenum">
+            <a:fld id="{D6010385-4880-405C-A3D7-5EE5544B2FD1}" type="slidenum">
               <a:rPr lang="zh-CN" altLang="en-US" smtClean="0"/>
               <a:t>‹#›</a:t>
             </a:fld>
@@ -1461,7 +1461,7 @@
     </p:spTree>
     <p:extLst>
       <p:ext uri="{BB962C8B-B14F-4D97-AF65-F5344CB8AC3E}">
-        <p14:creationId xmlns:p14="http://schemas.microsoft.com/office/powerpoint/2010/main" val="3410561980"/>
+        <p14:creationId xmlns:p14="http://schemas.microsoft.com/office/powerpoint/2010/main" val="3635068674"/>
       </p:ext>
     </p:extLst>
   </p:cSld>
@@ -1493,7 +1493,7 @@
           <p:cNvPr id="2" name="标题 1">
             <a:extLst>
               <a:ext uri="{FF2B5EF4-FFF2-40B4-BE49-F238E27FC236}">
-                <a16:creationId xmlns:a16="http://schemas.microsoft.com/office/drawing/2014/main" id="{831CBD21-3E6E-E6B2-13E4-B8C093582EE7}"/>
+                <a16:creationId xmlns:a16="http://schemas.microsoft.com/office/drawing/2014/main" id="{E61E5345-2F24-EB86-7D3D-B3599E24DE64}"/>
               </a:ext>
             </a:extLst>
           </p:cNvPr>
@@ -1526,7 +1526,7 @@
           <p:cNvPr id="3" name="文本占位符 2">
             <a:extLst>
               <a:ext uri="{FF2B5EF4-FFF2-40B4-BE49-F238E27FC236}">
-                <a16:creationId xmlns:a16="http://schemas.microsoft.com/office/drawing/2014/main" id="{465269FF-35D0-6D80-4F50-5FC96649005B}"/>
+                <a16:creationId xmlns:a16="http://schemas.microsoft.com/office/drawing/2014/main" id="{DFC7DDA0-48A0-BDFC-2E81-B2BC0EE98F75}"/>
               </a:ext>
             </a:extLst>
           </p:cNvPr>
@@ -1597,7 +1597,7 @@
           <p:cNvPr id="4" name="内容占位符 3">
             <a:extLst>
               <a:ext uri="{FF2B5EF4-FFF2-40B4-BE49-F238E27FC236}">
-                <a16:creationId xmlns:a16="http://schemas.microsoft.com/office/drawing/2014/main" id="{81B4300E-EBEC-B5A6-5D06-C7CDF296319E}"/>
+                <a16:creationId xmlns:a16="http://schemas.microsoft.com/office/drawing/2014/main" id="{C5BCA819-D747-F0D9-0CAE-90E15A1926A8}"/>
               </a:ext>
             </a:extLst>
           </p:cNvPr>
@@ -1659,7 +1659,7 @@
           <p:cNvPr id="5" name="文本占位符 4">
             <a:extLst>
               <a:ext uri="{FF2B5EF4-FFF2-40B4-BE49-F238E27FC236}">
-                <a16:creationId xmlns:a16="http://schemas.microsoft.com/office/drawing/2014/main" id="{78B3AE9A-6A60-91EA-833B-DADDB6CC78D0}"/>
+                <a16:creationId xmlns:a16="http://schemas.microsoft.com/office/drawing/2014/main" id="{D25C0F65-4000-8AF1-C63B-994583BA2D3B}"/>
               </a:ext>
             </a:extLst>
           </p:cNvPr>
@@ -1730,7 +1730,7 @@
           <p:cNvPr id="6" name="内容占位符 5">
             <a:extLst>
               <a:ext uri="{FF2B5EF4-FFF2-40B4-BE49-F238E27FC236}">
-                <a16:creationId xmlns:a16="http://schemas.microsoft.com/office/drawing/2014/main" id="{476606D1-4D38-B41F-F22D-32F2839B6404}"/>
+                <a16:creationId xmlns:a16="http://schemas.microsoft.com/office/drawing/2014/main" id="{46C9B561-4670-A23C-BE44-E947DB09C310}"/>
               </a:ext>
             </a:extLst>
           </p:cNvPr>
@@ -1792,7 +1792,7 @@
           <p:cNvPr id="7" name="日期占位符 6">
             <a:extLst>
               <a:ext uri="{FF2B5EF4-FFF2-40B4-BE49-F238E27FC236}">
-                <a16:creationId xmlns:a16="http://schemas.microsoft.com/office/drawing/2014/main" id="{549DBFE1-0FB9-8A41-4386-D6F5C0EB875D}"/>
+                <a16:creationId xmlns:a16="http://schemas.microsoft.com/office/drawing/2014/main" id="{77F75D9D-2E5E-673C-3B02-87FEE52F33B5}"/>
               </a:ext>
             </a:extLst>
           </p:cNvPr>
@@ -1808,7 +1808,7 @@
           <a:bodyPr/>
           <a:lstStyle/>
           <a:p>
-            <a:fld id="{0987F561-DEA1-4E11-8DBA-4C2AAC960EDA}" type="datetimeFigureOut">
+            <a:fld id="{D537D967-6795-4CF9-8C11-955725731430}" type="datetimeFigureOut">
               <a:rPr lang="zh-CN" altLang="en-US" smtClean="0"/>
               <a:t>2024/3/10</a:t>
             </a:fld>
@@ -1821,7 +1821,7 @@
           <p:cNvPr id="8" name="页脚占位符 7">
             <a:extLst>
               <a:ext uri="{FF2B5EF4-FFF2-40B4-BE49-F238E27FC236}">
-                <a16:creationId xmlns:a16="http://schemas.microsoft.com/office/drawing/2014/main" id="{EC44AA81-2400-09E7-5D13-F08DDCDF83A4}"/>
+                <a16:creationId xmlns:a16="http://schemas.microsoft.com/office/drawing/2014/main" id="{1E9B13F3-4DCD-F480-7AE0-286F058126E0}"/>
               </a:ext>
             </a:extLst>
           </p:cNvPr>
@@ -1846,7 +1846,7 @@
           <p:cNvPr id="9" name="灯片编号占位符 8">
             <a:extLst>
               <a:ext uri="{FF2B5EF4-FFF2-40B4-BE49-F238E27FC236}">
-                <a16:creationId xmlns:a16="http://schemas.microsoft.com/office/drawing/2014/main" id="{026EAD47-5E66-7AEB-23BF-C85E9E799119}"/>
+                <a16:creationId xmlns:a16="http://schemas.microsoft.com/office/drawing/2014/main" id="{0EA79631-0D2A-5032-CC1D-7CBC0CC08003}"/>
               </a:ext>
             </a:extLst>
           </p:cNvPr>
@@ -1862,7 +1862,7 @@
           <a:bodyPr/>
           <a:lstStyle/>
           <a:p>
-            <a:fld id="{6E009FFA-B38A-4560-88B0-416E33CA3B4F}" type="slidenum">
+            <a:fld id="{D6010385-4880-405C-A3D7-5EE5544B2FD1}" type="slidenum">
               <a:rPr lang="zh-CN" altLang="en-US" smtClean="0"/>
               <a:t>‹#›</a:t>
             </a:fld>
@@ -1873,7 +1873,7 @@
     </p:spTree>
     <p:extLst>
       <p:ext uri="{BB962C8B-B14F-4D97-AF65-F5344CB8AC3E}">
-        <p14:creationId xmlns:p14="http://schemas.microsoft.com/office/powerpoint/2010/main" val="4022584361"/>
+        <p14:creationId xmlns:p14="http://schemas.microsoft.com/office/powerpoint/2010/main" val="3468143867"/>
       </p:ext>
     </p:extLst>
   </p:cSld>
@@ -1905,7 +1905,7 @@
           <p:cNvPr id="2" name="标题 1">
             <a:extLst>
               <a:ext uri="{FF2B5EF4-FFF2-40B4-BE49-F238E27FC236}">
-                <a16:creationId xmlns:a16="http://schemas.microsoft.com/office/drawing/2014/main" id="{6F8CDDD0-29D4-8218-84A7-006F43D55B53}"/>
+                <a16:creationId xmlns:a16="http://schemas.microsoft.com/office/drawing/2014/main" id="{DE9D72F7-9E04-20D7-5B11-C7126B090A50}"/>
               </a:ext>
             </a:extLst>
           </p:cNvPr>
@@ -1933,7 +1933,7 @@
           <p:cNvPr id="3" name="日期占位符 2">
             <a:extLst>
               <a:ext uri="{FF2B5EF4-FFF2-40B4-BE49-F238E27FC236}">
-                <a16:creationId xmlns:a16="http://schemas.microsoft.com/office/drawing/2014/main" id="{9B3F15AF-6D27-0AA8-458D-5DE0F44FD85C}"/>
+                <a16:creationId xmlns:a16="http://schemas.microsoft.com/office/drawing/2014/main" id="{E4A120FB-1D90-83B8-9203-81E150612596}"/>
               </a:ext>
             </a:extLst>
           </p:cNvPr>
@@ -1949,7 +1949,7 @@
           <a:bodyPr/>
           <a:lstStyle/>
           <a:p>
-            <a:fld id="{0987F561-DEA1-4E11-8DBA-4C2AAC960EDA}" type="datetimeFigureOut">
+            <a:fld id="{D537D967-6795-4CF9-8C11-955725731430}" type="datetimeFigureOut">
               <a:rPr lang="zh-CN" altLang="en-US" smtClean="0"/>
               <a:t>2024/3/10</a:t>
             </a:fld>
@@ -1962,7 +1962,7 @@
           <p:cNvPr id="4" name="页脚占位符 3">
             <a:extLst>
               <a:ext uri="{FF2B5EF4-FFF2-40B4-BE49-F238E27FC236}">
-                <a16:creationId xmlns:a16="http://schemas.microsoft.com/office/drawing/2014/main" id="{7C7A4027-66A6-F167-1345-5E819C81894E}"/>
+                <a16:creationId xmlns:a16="http://schemas.microsoft.com/office/drawing/2014/main" id="{DA03AE5D-43DA-5FFD-AF8D-0535A7139F91}"/>
               </a:ext>
             </a:extLst>
           </p:cNvPr>
@@ -1987,7 +1987,7 @@
           <p:cNvPr id="5" name="灯片编号占位符 4">
             <a:extLst>
               <a:ext uri="{FF2B5EF4-FFF2-40B4-BE49-F238E27FC236}">
-                <a16:creationId xmlns:a16="http://schemas.microsoft.com/office/drawing/2014/main" id="{133E3957-9E3E-69AC-D316-0A59E8B54B6B}"/>
+                <a16:creationId xmlns:a16="http://schemas.microsoft.com/office/drawing/2014/main" id="{CCF27798-2E92-E304-DCB0-65DFAB61572B}"/>
               </a:ext>
             </a:extLst>
           </p:cNvPr>
@@ -2003,7 +2003,7 @@
           <a:bodyPr/>
           <a:lstStyle/>
           <a:p>
-            <a:fld id="{6E009FFA-B38A-4560-88B0-416E33CA3B4F}" type="slidenum">
+            <a:fld id="{D6010385-4880-405C-A3D7-5EE5544B2FD1}" type="slidenum">
               <a:rPr lang="zh-CN" altLang="en-US" smtClean="0"/>
               <a:t>‹#›</a:t>
             </a:fld>
@@ -2014,7 +2014,7 @@
     </p:spTree>
     <p:extLst>
       <p:ext uri="{BB962C8B-B14F-4D97-AF65-F5344CB8AC3E}">
-        <p14:creationId xmlns:p14="http://schemas.microsoft.com/office/powerpoint/2010/main" val="3430247606"/>
+        <p14:creationId xmlns:p14="http://schemas.microsoft.com/office/powerpoint/2010/main" val="1911908130"/>
       </p:ext>
     </p:extLst>
   </p:cSld>
@@ -2046,7 +2046,7 @@
           <p:cNvPr id="2" name="日期占位符 1">
             <a:extLst>
               <a:ext uri="{FF2B5EF4-FFF2-40B4-BE49-F238E27FC236}">
-                <a16:creationId xmlns:a16="http://schemas.microsoft.com/office/drawing/2014/main" id="{91166D9A-4EB9-F734-2427-5DC8D7359AC5}"/>
+                <a16:creationId xmlns:a16="http://schemas.microsoft.com/office/drawing/2014/main" id="{F461271D-5B02-762C-4694-5EB823A81E95}"/>
               </a:ext>
             </a:extLst>
           </p:cNvPr>
@@ -2062,7 +2062,7 @@
           <a:bodyPr/>
           <a:lstStyle/>
           <a:p>
-            <a:fld id="{0987F561-DEA1-4E11-8DBA-4C2AAC960EDA}" type="datetimeFigureOut">
+            <a:fld id="{D537D967-6795-4CF9-8C11-955725731430}" type="datetimeFigureOut">
               <a:rPr lang="zh-CN" altLang="en-US" smtClean="0"/>
               <a:t>2024/3/10</a:t>
             </a:fld>
@@ -2075,7 +2075,7 @@
           <p:cNvPr id="3" name="页脚占位符 2">
             <a:extLst>
               <a:ext uri="{FF2B5EF4-FFF2-40B4-BE49-F238E27FC236}">
-                <a16:creationId xmlns:a16="http://schemas.microsoft.com/office/drawing/2014/main" id="{A4B2E300-6D80-72B7-5D6E-A5598C3C8EB2}"/>
+                <a16:creationId xmlns:a16="http://schemas.microsoft.com/office/drawing/2014/main" id="{81E47338-35A9-E12B-1ED2-248547757045}"/>
               </a:ext>
             </a:extLst>
           </p:cNvPr>
@@ -2100,7 +2100,7 @@
           <p:cNvPr id="4" name="灯片编号占位符 3">
             <a:extLst>
               <a:ext uri="{FF2B5EF4-FFF2-40B4-BE49-F238E27FC236}">
-                <a16:creationId xmlns:a16="http://schemas.microsoft.com/office/drawing/2014/main" id="{D79FFA3B-5340-9B42-8BD4-898880D331E8}"/>
+                <a16:creationId xmlns:a16="http://schemas.microsoft.com/office/drawing/2014/main" id="{37BF2401-48CA-0789-9787-DC49F4156A6C}"/>
               </a:ext>
             </a:extLst>
           </p:cNvPr>
@@ -2116,7 +2116,7 @@
           <a:bodyPr/>
           <a:lstStyle/>
           <a:p>
-            <a:fld id="{6E009FFA-B38A-4560-88B0-416E33CA3B4F}" type="slidenum">
+            <a:fld id="{D6010385-4880-405C-A3D7-5EE5544B2FD1}" type="slidenum">
               <a:rPr lang="zh-CN" altLang="en-US" smtClean="0"/>
               <a:t>‹#›</a:t>
             </a:fld>
@@ -2127,7 +2127,7 @@
     </p:spTree>
     <p:extLst>
       <p:ext uri="{BB962C8B-B14F-4D97-AF65-F5344CB8AC3E}">
-        <p14:creationId xmlns:p14="http://schemas.microsoft.com/office/powerpoint/2010/main" val="2868317272"/>
+        <p14:creationId xmlns:p14="http://schemas.microsoft.com/office/powerpoint/2010/main" val="661108706"/>
       </p:ext>
     </p:extLst>
   </p:cSld>
@@ -2159,7 +2159,7 @@
           <p:cNvPr id="2" name="标题 1">
             <a:extLst>
               <a:ext uri="{FF2B5EF4-FFF2-40B4-BE49-F238E27FC236}">
-                <a16:creationId xmlns:a16="http://schemas.microsoft.com/office/drawing/2014/main" id="{90728ED5-4F6C-383F-80A7-97B1144E289B}"/>
+                <a16:creationId xmlns:a16="http://schemas.microsoft.com/office/drawing/2014/main" id="{114C9DFD-3ACF-8DD9-4E64-DFB98784460A}"/>
               </a:ext>
             </a:extLst>
           </p:cNvPr>
@@ -2196,7 +2196,7 @@
           <p:cNvPr id="3" name="内容占位符 2">
             <a:extLst>
               <a:ext uri="{FF2B5EF4-FFF2-40B4-BE49-F238E27FC236}">
-                <a16:creationId xmlns:a16="http://schemas.microsoft.com/office/drawing/2014/main" id="{EE40C180-B424-E136-8799-DDFF373665D0}"/>
+                <a16:creationId xmlns:a16="http://schemas.microsoft.com/office/drawing/2014/main" id="{C2478C72-B641-4724-439C-E4CB1DBC9095}"/>
               </a:ext>
             </a:extLst>
           </p:cNvPr>
@@ -2286,7 +2286,7 @@
           <p:cNvPr id="4" name="文本占位符 3">
             <a:extLst>
               <a:ext uri="{FF2B5EF4-FFF2-40B4-BE49-F238E27FC236}">
-                <a16:creationId xmlns:a16="http://schemas.microsoft.com/office/drawing/2014/main" id="{D9AECFE4-5881-B48C-D700-7817BE621733}"/>
+                <a16:creationId xmlns:a16="http://schemas.microsoft.com/office/drawing/2014/main" id="{BE4C9CC0-838E-C1F3-71C4-D45466BD5D93}"/>
               </a:ext>
             </a:extLst>
           </p:cNvPr>
@@ -2357,7 +2357,7 @@
           <p:cNvPr id="5" name="日期占位符 4">
             <a:extLst>
               <a:ext uri="{FF2B5EF4-FFF2-40B4-BE49-F238E27FC236}">
-                <a16:creationId xmlns:a16="http://schemas.microsoft.com/office/drawing/2014/main" id="{8F378552-929A-1C7F-9B92-C9352301E36A}"/>
+                <a16:creationId xmlns:a16="http://schemas.microsoft.com/office/drawing/2014/main" id="{23457E27-8CB1-157F-1E6A-CAB21264C6C8}"/>
               </a:ext>
             </a:extLst>
           </p:cNvPr>
@@ -2373,7 +2373,7 @@
           <a:bodyPr/>
           <a:lstStyle/>
           <a:p>
-            <a:fld id="{0987F561-DEA1-4E11-8DBA-4C2AAC960EDA}" type="datetimeFigureOut">
+            <a:fld id="{D537D967-6795-4CF9-8C11-955725731430}" type="datetimeFigureOut">
               <a:rPr lang="zh-CN" altLang="en-US" smtClean="0"/>
               <a:t>2024/3/10</a:t>
             </a:fld>
@@ -2386,7 +2386,7 @@
           <p:cNvPr id="6" name="页脚占位符 5">
             <a:extLst>
               <a:ext uri="{FF2B5EF4-FFF2-40B4-BE49-F238E27FC236}">
-                <a16:creationId xmlns:a16="http://schemas.microsoft.com/office/drawing/2014/main" id="{35DB9D8C-7477-3C0F-50D8-01C4E20324AA}"/>
+                <a16:creationId xmlns:a16="http://schemas.microsoft.com/office/drawing/2014/main" id="{FCE9AC00-7F72-529D-95FF-058C5CA96648}"/>
               </a:ext>
             </a:extLst>
           </p:cNvPr>
@@ -2411,7 +2411,7 @@
           <p:cNvPr id="7" name="灯片编号占位符 6">
             <a:extLst>
               <a:ext uri="{FF2B5EF4-FFF2-40B4-BE49-F238E27FC236}">
-                <a16:creationId xmlns:a16="http://schemas.microsoft.com/office/drawing/2014/main" id="{82EB9EBD-17CE-392D-BCEA-A14756F946B1}"/>
+                <a16:creationId xmlns:a16="http://schemas.microsoft.com/office/drawing/2014/main" id="{3CEE320F-B8AC-6C77-940A-60874ABA3CFB}"/>
               </a:ext>
             </a:extLst>
           </p:cNvPr>
@@ -2427,7 +2427,7 @@
           <a:bodyPr/>
           <a:lstStyle/>
           <a:p>
-            <a:fld id="{6E009FFA-B38A-4560-88B0-416E33CA3B4F}" type="slidenum">
+            <a:fld id="{D6010385-4880-405C-A3D7-5EE5544B2FD1}" type="slidenum">
               <a:rPr lang="zh-CN" altLang="en-US" smtClean="0"/>
               <a:t>‹#›</a:t>
             </a:fld>
@@ -2438,7 +2438,7 @@
     </p:spTree>
     <p:extLst>
       <p:ext uri="{BB962C8B-B14F-4D97-AF65-F5344CB8AC3E}">
-        <p14:creationId xmlns:p14="http://schemas.microsoft.com/office/powerpoint/2010/main" val="4032980934"/>
+        <p14:creationId xmlns:p14="http://schemas.microsoft.com/office/powerpoint/2010/main" val="499194084"/>
       </p:ext>
     </p:extLst>
   </p:cSld>
@@ -2470,7 +2470,7 @@
           <p:cNvPr id="2" name="标题 1">
             <a:extLst>
               <a:ext uri="{FF2B5EF4-FFF2-40B4-BE49-F238E27FC236}">
-                <a16:creationId xmlns:a16="http://schemas.microsoft.com/office/drawing/2014/main" id="{53472BB7-0C49-F350-D456-69B4A847DF8B}"/>
+                <a16:creationId xmlns:a16="http://schemas.microsoft.com/office/drawing/2014/main" id="{9B43A4B9-59E5-9953-9379-7AE83B6F2D93}"/>
               </a:ext>
             </a:extLst>
           </p:cNvPr>
@@ -2507,7 +2507,7 @@
           <p:cNvPr id="3" name="图片占位符 2">
             <a:extLst>
               <a:ext uri="{FF2B5EF4-FFF2-40B4-BE49-F238E27FC236}">
-                <a16:creationId xmlns:a16="http://schemas.microsoft.com/office/drawing/2014/main" id="{7A4273CD-ED6B-3567-354E-888B4E89C776}"/>
+                <a16:creationId xmlns:a16="http://schemas.microsoft.com/office/drawing/2014/main" id="{76D892CB-2641-D44A-4050-101368D9899C}"/>
               </a:ext>
             </a:extLst>
           </p:cNvPr>
@@ -2574,7 +2574,7 @@
           <p:cNvPr id="4" name="文本占位符 3">
             <a:extLst>
               <a:ext uri="{FF2B5EF4-FFF2-40B4-BE49-F238E27FC236}">
-                <a16:creationId xmlns:a16="http://schemas.microsoft.com/office/drawing/2014/main" id="{9177FE86-99E7-EC79-FBDB-63D5AF51AB8A}"/>
+                <a16:creationId xmlns:a16="http://schemas.microsoft.com/office/drawing/2014/main" id="{40B60972-C9F8-0F73-1E66-2C5CA75031AF}"/>
               </a:ext>
             </a:extLst>
           </p:cNvPr>
@@ -2645,7 +2645,7 @@
           <p:cNvPr id="5" name="日期占位符 4">
             <a:extLst>
               <a:ext uri="{FF2B5EF4-FFF2-40B4-BE49-F238E27FC236}">
-                <a16:creationId xmlns:a16="http://schemas.microsoft.com/office/drawing/2014/main" id="{FF24E710-5F66-2407-3C09-3308FC82340C}"/>
+                <a16:creationId xmlns:a16="http://schemas.microsoft.com/office/drawing/2014/main" id="{1DDEFA9B-2E04-7A60-6EF0-96A3CE891592}"/>
               </a:ext>
             </a:extLst>
           </p:cNvPr>
@@ -2661,7 +2661,7 @@
           <a:bodyPr/>
           <a:lstStyle/>
           <a:p>
-            <a:fld id="{0987F561-DEA1-4E11-8DBA-4C2AAC960EDA}" type="datetimeFigureOut">
+            <a:fld id="{D537D967-6795-4CF9-8C11-955725731430}" type="datetimeFigureOut">
               <a:rPr lang="zh-CN" altLang="en-US" smtClean="0"/>
               <a:t>2024/3/10</a:t>
             </a:fld>
@@ -2674,7 +2674,7 @@
           <p:cNvPr id="6" name="页脚占位符 5">
             <a:extLst>
               <a:ext uri="{FF2B5EF4-FFF2-40B4-BE49-F238E27FC236}">
-                <a16:creationId xmlns:a16="http://schemas.microsoft.com/office/drawing/2014/main" id="{E6AA5F38-B5B4-9AB0-E458-E4ABFC13F7E3}"/>
+                <a16:creationId xmlns:a16="http://schemas.microsoft.com/office/drawing/2014/main" id="{E00F02EA-59A9-6E5F-18EE-0034FBD0CDFC}"/>
               </a:ext>
             </a:extLst>
           </p:cNvPr>
@@ -2699,7 +2699,7 @@
           <p:cNvPr id="7" name="灯片编号占位符 6">
             <a:extLst>
               <a:ext uri="{FF2B5EF4-FFF2-40B4-BE49-F238E27FC236}">
-                <a16:creationId xmlns:a16="http://schemas.microsoft.com/office/drawing/2014/main" id="{AE443957-96F2-06E0-E256-9B448B841FB7}"/>
+                <a16:creationId xmlns:a16="http://schemas.microsoft.com/office/drawing/2014/main" id="{14B756D9-F16B-9670-3746-10B87E758750}"/>
               </a:ext>
             </a:extLst>
           </p:cNvPr>
@@ -2715,7 +2715,7 @@
           <a:bodyPr/>
           <a:lstStyle/>
           <a:p>
-            <a:fld id="{6E009FFA-B38A-4560-88B0-416E33CA3B4F}" type="slidenum">
+            <a:fld id="{D6010385-4880-405C-A3D7-5EE5544B2FD1}" type="slidenum">
               <a:rPr lang="zh-CN" altLang="en-US" smtClean="0"/>
               <a:t>‹#›</a:t>
             </a:fld>
@@ -2726,7 +2726,7 @@
     </p:spTree>
     <p:extLst>
       <p:ext uri="{BB962C8B-B14F-4D97-AF65-F5344CB8AC3E}">
-        <p14:creationId xmlns:p14="http://schemas.microsoft.com/office/powerpoint/2010/main" val="958142227"/>
+        <p14:creationId xmlns:p14="http://schemas.microsoft.com/office/powerpoint/2010/main" val="77367006"/>
       </p:ext>
     </p:extLst>
   </p:cSld>
@@ -2763,7 +2763,7 @@
           <p:cNvPr id="2" name="标题占位符 1">
             <a:extLst>
               <a:ext uri="{FF2B5EF4-FFF2-40B4-BE49-F238E27FC236}">
-                <a16:creationId xmlns:a16="http://schemas.microsoft.com/office/drawing/2014/main" id="{43FD46A8-9ED9-AC6C-CC2F-EE588B629B8C}"/>
+                <a16:creationId xmlns:a16="http://schemas.microsoft.com/office/drawing/2014/main" id="{67DE4946-83D5-1584-DF44-B64343F661DB}"/>
               </a:ext>
             </a:extLst>
           </p:cNvPr>
@@ -2801,7 +2801,7 @@
           <p:cNvPr id="3" name="文本占位符 2">
             <a:extLst>
               <a:ext uri="{FF2B5EF4-FFF2-40B4-BE49-F238E27FC236}">
-                <a16:creationId xmlns:a16="http://schemas.microsoft.com/office/drawing/2014/main" id="{938D5CA3-0652-1D33-2C6B-C66BDA1F361A}"/>
+                <a16:creationId xmlns:a16="http://schemas.microsoft.com/office/drawing/2014/main" id="{0D9B15FD-F737-FF52-F68F-B0DC57DDE82D}"/>
               </a:ext>
             </a:extLst>
           </p:cNvPr>
@@ -2868,7 +2868,7 @@
           <p:cNvPr id="4" name="日期占位符 3">
             <a:extLst>
               <a:ext uri="{FF2B5EF4-FFF2-40B4-BE49-F238E27FC236}">
-                <a16:creationId xmlns:a16="http://schemas.microsoft.com/office/drawing/2014/main" id="{B61062C0-4027-54B0-C958-910CB62289D2}"/>
+                <a16:creationId xmlns:a16="http://schemas.microsoft.com/office/drawing/2014/main" id="{24451515-0027-3E3B-BB1F-79940273BB31}"/>
               </a:ext>
             </a:extLst>
           </p:cNvPr>
@@ -2902,7 +2902,7 @@
             </a:lvl1pPr>
           </a:lstStyle>
           <a:p>
-            <a:fld id="{0987F561-DEA1-4E11-8DBA-4C2AAC960EDA}" type="datetimeFigureOut">
+            <a:fld id="{D537D967-6795-4CF9-8C11-955725731430}" type="datetimeFigureOut">
               <a:rPr lang="zh-CN" altLang="en-US" smtClean="0"/>
               <a:t>2024/3/10</a:t>
             </a:fld>
@@ -2915,7 +2915,7 @@
           <p:cNvPr id="5" name="页脚占位符 4">
             <a:extLst>
               <a:ext uri="{FF2B5EF4-FFF2-40B4-BE49-F238E27FC236}">
-                <a16:creationId xmlns:a16="http://schemas.microsoft.com/office/drawing/2014/main" id="{B28C3307-65C7-831F-2227-53AD46F8378E}"/>
+                <a16:creationId xmlns:a16="http://schemas.microsoft.com/office/drawing/2014/main" id="{69E6DED9-D8B0-C962-5E46-66D9AF22E10C}"/>
               </a:ext>
             </a:extLst>
           </p:cNvPr>
@@ -2958,7 +2958,7 @@
           <p:cNvPr id="6" name="灯片编号占位符 5">
             <a:extLst>
               <a:ext uri="{FF2B5EF4-FFF2-40B4-BE49-F238E27FC236}">
-                <a16:creationId xmlns:a16="http://schemas.microsoft.com/office/drawing/2014/main" id="{A64DFDC7-0F1E-696B-DB4F-8D7351C019E0}"/>
+                <a16:creationId xmlns:a16="http://schemas.microsoft.com/office/drawing/2014/main" id="{6C55462E-F8CC-031A-8B4C-9A3A3073D251}"/>
               </a:ext>
             </a:extLst>
           </p:cNvPr>
@@ -2992,7 +2992,7 @@
             </a:lvl1pPr>
           </a:lstStyle>
           <a:p>
-            <a:fld id="{6E009FFA-B38A-4560-88B0-416E33CA3B4F}" type="slidenum">
+            <a:fld id="{D6010385-4880-405C-A3D7-5EE5544B2FD1}" type="slidenum">
               <a:rPr lang="zh-CN" altLang="en-US" smtClean="0"/>
               <a:t>‹#›</a:t>
             </a:fld>
@@ -3003,7 +3003,7 @@
     </p:spTree>
     <p:extLst>
       <p:ext uri="{BB962C8B-B14F-4D97-AF65-F5344CB8AC3E}">
-        <p14:creationId xmlns:p14="http://schemas.microsoft.com/office/powerpoint/2010/main" val="462356085"/>
+        <p14:creationId xmlns:p14="http://schemas.microsoft.com/office/powerpoint/2010/main" val="1015795172"/>
       </p:ext>
     </p:extLst>
   </p:cSld>
